--- a/documents/Prezentatsionny_otchet.pptx
+++ b/documents/Prezentatsionny_otchet.pptx
@@ -6,16 +6,12 @@
   </p:sldMasterIdLst>
   <p:sldIdLst>
     <p:sldId id="256" r:id="rId2"/>
-    <p:sldId id="257" r:id="rId3"/>
-    <p:sldId id="258" r:id="rId4"/>
-    <p:sldId id="259" r:id="rId5"/>
-    <p:sldId id="260" r:id="rId6"/>
-    <p:sldId id="261" r:id="rId7"/>
-    <p:sldId id="264" r:id="rId8"/>
-    <p:sldId id="262" r:id="rId9"/>
-    <p:sldId id="263" r:id="rId10"/>
-    <p:sldId id="265" r:id="rId11"/>
-    <p:sldId id="266" r:id="rId12"/>
+    <p:sldId id="261" r:id="rId3"/>
+    <p:sldId id="264" r:id="rId4"/>
+    <p:sldId id="262" r:id="rId5"/>
+    <p:sldId id="263" r:id="rId6"/>
+    <p:sldId id="265" r:id="rId7"/>
+    <p:sldId id="266" r:id="rId8"/>
   </p:sldIdLst>
   <p:sldSz cx="12192000" cy="6858000"/>
   <p:notesSz cx="6858000" cy="9144000"/>
@@ -127,6 +123,7 @@
   <p1510:revLst>
     <p1510:client id="{1068CE35-B7A6-4FE3-8776-83FFC15DE59D}" v="1716" dt="2020-06-23T16:28:35.552"/>
     <p1510:client id="{1A614F62-6B9B-4B9B-92F9-F775CC3C3165}" v="202" dt="2020-06-23T16:00:27.141"/>
+    <p1510:client id="{E7DD1B58-6F06-4B5F-B475-A518CC964927}" v="4" dt="2020-06-27T05:18:51.928"/>
   </p1510:revLst>
 </p1510:revInfo>
 </file>
@@ -2688,7 +2685,7 @@
               <a:rPr lang="ru-RU"/>
               <a:t>Образец заголовка</a:t>
             </a:r>
-            <a:endParaRPr lang="en-US" dirty="0"/>
+            <a:endParaRPr lang="en-US"/>
           </a:p>
         </p:txBody>
       </p:sp>
@@ -2805,7 +2802,7 @@
               <a:rPr lang="ru-RU"/>
               <a:t>Образец подзаголовка</a:t>
             </a:r>
-            <a:endParaRPr lang="en-US" dirty="0"/>
+            <a:endParaRPr lang="en-US"/>
           </a:p>
         </p:txBody>
       </p:sp>
@@ -2826,7 +2823,7 @@
           <a:p>
             <a:fld id="{018C0274-0764-4BC3-9C6C-8CC4EEFBCC4D}" type="datetimeFigureOut">
               <a:rPr lang="ru-RU" smtClean="0"/>
-              <a:t>23.06.2020</a:t>
+              <a:t>26.06.2020</a:t>
             </a:fld>
             <a:endParaRPr lang="ru-RU"/>
           </a:p>
@@ -2934,7 +2931,7 @@
               <a:rPr lang="ru-RU"/>
               <a:t>Образец заголовка</a:t>
             </a:r>
-            <a:endParaRPr lang="en-US" dirty="0"/>
+            <a:endParaRPr lang="en-US"/>
           </a:p>
         </p:txBody>
       </p:sp>
@@ -3013,7 +3010,7 @@
               <a:rPr lang="ru-RU"/>
               <a:t>Вставка рисунка</a:t>
             </a:r>
-            <a:endParaRPr lang="en-US" dirty="0"/>
+            <a:endParaRPr lang="en-US"/>
           </a:p>
         </p:txBody>
       </p:sp>
@@ -3101,7 +3098,7 @@
           <a:p>
             <a:fld id="{018C0274-0764-4BC3-9C6C-8CC4EEFBCC4D}" type="datetimeFigureOut">
               <a:rPr lang="ru-RU" smtClean="0"/>
-              <a:t>23.06.2020</a:t>
+              <a:t>26.06.2020</a:t>
             </a:fld>
             <a:endParaRPr lang="ru-RU"/>
           </a:p>
@@ -3207,7 +3204,7 @@
               <a:rPr lang="ru-RU"/>
               <a:t>Образец заголовка</a:t>
             </a:r>
-            <a:endParaRPr lang="en-US" dirty="0"/>
+            <a:endParaRPr lang="en-US"/>
           </a:p>
         </p:txBody>
       </p:sp>
@@ -3295,7 +3292,7 @@
           <a:p>
             <a:fld id="{018C0274-0764-4BC3-9C6C-8CC4EEFBCC4D}" type="datetimeFigureOut">
               <a:rPr lang="ru-RU" smtClean="0"/>
-              <a:t>23.06.2020</a:t>
+              <a:t>26.06.2020</a:t>
             </a:fld>
             <a:endParaRPr lang="ru-RU"/>
           </a:p>
@@ -3401,7 +3398,7 @@
               <a:rPr lang="ru-RU"/>
               <a:t>Образец заголовка</a:t>
             </a:r>
-            <a:endParaRPr lang="en-US" dirty="0"/>
+            <a:endParaRPr lang="en-US"/>
           </a:p>
         </p:txBody>
       </p:sp>
@@ -3563,7 +3560,7 @@
           <a:p>
             <a:fld id="{018C0274-0764-4BC3-9C6C-8CC4EEFBCC4D}" type="datetimeFigureOut">
               <a:rPr lang="ru-RU" smtClean="0"/>
-              <a:t>23.06.2020</a:t>
+              <a:t>26.06.2020</a:t>
             </a:fld>
             <a:endParaRPr lang="ru-RU"/>
           </a:p>
@@ -3649,7 +3646,7 @@
           <a:p>
             <a:pPr lvl="0"/>
             <a:r>
-              <a:rPr lang="en-US" dirty="0"/>
+              <a:rPr lang="en-US"/>
               <a:t>“</a:t>
             </a:r>
           </a:p>
@@ -3693,7 +3690,7 @@
           <a:p>
             <a:pPr lvl="0"/>
             <a:r>
-              <a:rPr lang="en-US" dirty="0"/>
+              <a:rPr lang="en-US"/>
               <a:t>”</a:t>
             </a:r>
           </a:p>
@@ -3757,7 +3754,7 @@
               <a:rPr lang="ru-RU"/>
               <a:t>Образец заголовка</a:t>
             </a:r>
-            <a:endParaRPr lang="en-US" dirty="0"/>
+            <a:endParaRPr lang="en-US"/>
           </a:p>
         </p:txBody>
       </p:sp>
@@ -3895,7 +3892,7 @@
           <a:p>
             <a:fld id="{018C0274-0764-4BC3-9C6C-8CC4EEFBCC4D}" type="datetimeFigureOut">
               <a:rPr lang="ru-RU" smtClean="0"/>
-              <a:t>23.06.2020</a:t>
+              <a:t>26.06.2020</a:t>
             </a:fld>
             <a:endParaRPr lang="ru-RU"/>
           </a:p>
@@ -3996,7 +3993,7 @@
               <a:rPr lang="ru-RU"/>
               <a:t>Образец заголовка</a:t>
             </a:r>
-            <a:endParaRPr lang="en-US" dirty="0"/>
+            <a:endParaRPr lang="en-US"/>
           </a:p>
         </p:txBody>
       </p:sp>
@@ -4505,7 +4502,7 @@
           <a:p>
             <a:fld id="{018C0274-0764-4BC3-9C6C-8CC4EEFBCC4D}" type="datetimeFigureOut">
               <a:rPr lang="ru-RU" smtClean="0"/>
-              <a:t>23.06.2020</a:t>
+              <a:t>26.06.2020</a:t>
             </a:fld>
             <a:endParaRPr lang="ru-RU"/>
           </a:p>
@@ -4606,7 +4603,7 @@
               <a:rPr lang="ru-RU"/>
               <a:t>Образец заголовка</a:t>
             </a:r>
-            <a:endParaRPr lang="en-US" dirty="0"/>
+            <a:endParaRPr lang="en-US"/>
           </a:p>
         </p:txBody>
       </p:sp>
@@ -4756,7 +4753,7 @@
               <a:rPr lang="ru-RU"/>
               <a:t>Вставка рисунка</a:t>
             </a:r>
-            <a:endParaRPr lang="en-US" dirty="0"/>
+            <a:endParaRPr lang="en-US"/>
           </a:p>
         </p:txBody>
       </p:sp>
@@ -4973,7 +4970,7 @@
               <a:rPr lang="ru-RU"/>
               <a:t>Вставка рисунка</a:t>
             </a:r>
-            <a:endParaRPr lang="en-US" dirty="0"/>
+            <a:endParaRPr lang="en-US"/>
           </a:p>
         </p:txBody>
       </p:sp>
@@ -5190,7 +5187,7 @@
               <a:rPr lang="ru-RU"/>
               <a:t>Вставка рисунка</a:t>
             </a:r>
-            <a:endParaRPr lang="en-US" dirty="0"/>
+            <a:endParaRPr lang="en-US"/>
           </a:p>
         </p:txBody>
       </p:sp>
@@ -5352,7 +5349,7 @@
           <a:p>
             <a:fld id="{018C0274-0764-4BC3-9C6C-8CC4EEFBCC4D}" type="datetimeFigureOut">
               <a:rPr lang="ru-RU" smtClean="0"/>
-              <a:t>23.06.2020</a:t>
+              <a:t>26.06.2020</a:t>
             </a:fld>
             <a:endParaRPr lang="ru-RU"/>
           </a:p>
@@ -5449,7 +5446,7 @@
               <a:rPr lang="ru-RU"/>
               <a:t>Образец заголовка</a:t>
             </a:r>
-            <a:endParaRPr lang="en-US" dirty="0"/>
+            <a:endParaRPr lang="en-US"/>
           </a:p>
         </p:txBody>
       </p:sp>
@@ -5501,7 +5498,7 @@
               <a:rPr lang="ru-RU"/>
               <a:t>Пятый уровень</a:t>
             </a:r>
-            <a:endParaRPr lang="en-US" dirty="0"/>
+            <a:endParaRPr lang="en-US"/>
           </a:p>
         </p:txBody>
       </p:sp>
@@ -5522,7 +5519,7 @@
           <a:p>
             <a:fld id="{018C0274-0764-4BC3-9C6C-8CC4EEFBCC4D}" type="datetimeFigureOut">
               <a:rPr lang="ru-RU" smtClean="0"/>
-              <a:t>23.06.2020</a:t>
+              <a:t>26.06.2020</a:t>
             </a:fld>
             <a:endParaRPr lang="ru-RU"/>
           </a:p>
@@ -5624,7 +5621,7 @@
               <a:rPr lang="ru-RU"/>
               <a:t>Образец заголовка</a:t>
             </a:r>
-            <a:endParaRPr lang="en-US" dirty="0"/>
+            <a:endParaRPr lang="en-US"/>
           </a:p>
         </p:txBody>
       </p:sp>
@@ -5681,7 +5678,7 @@
               <a:rPr lang="ru-RU"/>
               <a:t>Пятый уровень</a:t>
             </a:r>
-            <a:endParaRPr lang="en-US" dirty="0"/>
+            <a:endParaRPr lang="en-US"/>
           </a:p>
         </p:txBody>
       </p:sp>
@@ -5702,7 +5699,7 @@
           <a:p>
             <a:fld id="{018C0274-0764-4BC3-9C6C-8CC4EEFBCC4D}" type="datetimeFigureOut">
               <a:rPr lang="ru-RU" smtClean="0"/>
-              <a:t>23.06.2020</a:t>
+              <a:t>26.06.2020</a:t>
             </a:fld>
             <a:endParaRPr lang="ru-RU"/>
           </a:p>
@@ -5799,7 +5796,7 @@
               <a:rPr lang="ru-RU"/>
               <a:t>Образец заголовка</a:t>
             </a:r>
-            <a:endParaRPr lang="en-US" dirty="0"/>
+            <a:endParaRPr lang="en-US"/>
           </a:p>
         </p:txBody>
       </p:sp>
@@ -5851,7 +5848,7 @@
               <a:rPr lang="ru-RU"/>
               <a:t>Пятый уровень</a:t>
             </a:r>
-            <a:endParaRPr lang="en-US" dirty="0"/>
+            <a:endParaRPr lang="en-US"/>
           </a:p>
         </p:txBody>
       </p:sp>
@@ -5872,7 +5869,7 @@
           <a:p>
             <a:fld id="{018C0274-0764-4BC3-9C6C-8CC4EEFBCC4D}" type="datetimeFigureOut">
               <a:rPr lang="ru-RU" smtClean="0"/>
-              <a:t>23.06.2020</a:t>
+              <a:t>26.06.2020</a:t>
             </a:fld>
             <a:endParaRPr lang="ru-RU"/>
           </a:p>
@@ -5978,7 +5975,7 @@
               <a:rPr lang="ru-RU"/>
               <a:t>Образец заголовка</a:t>
             </a:r>
-            <a:endParaRPr lang="en-US" dirty="0"/>
+            <a:endParaRPr lang="en-US"/>
           </a:p>
         </p:txBody>
       </p:sp>
@@ -6116,7 +6113,7 @@
           <a:p>
             <a:fld id="{018C0274-0764-4BC3-9C6C-8CC4EEFBCC4D}" type="datetimeFigureOut">
               <a:rPr lang="ru-RU" smtClean="0"/>
-              <a:t>23.06.2020</a:t>
+              <a:t>26.06.2020</a:t>
             </a:fld>
             <a:endParaRPr lang="ru-RU"/>
           </a:p>
@@ -6213,7 +6210,7 @@
               <a:rPr lang="ru-RU"/>
               <a:t>Образец заголовка</a:t>
             </a:r>
-            <a:endParaRPr lang="en-US" dirty="0"/>
+            <a:endParaRPr lang="en-US"/>
           </a:p>
         </p:txBody>
       </p:sp>
@@ -6300,7 +6297,7 @@
               <a:rPr lang="ru-RU"/>
               <a:t>Пятый уровень</a:t>
             </a:r>
-            <a:endParaRPr lang="en-US" dirty="0"/>
+            <a:endParaRPr lang="en-US"/>
           </a:p>
         </p:txBody>
       </p:sp>
@@ -6387,7 +6384,7 @@
               <a:rPr lang="ru-RU"/>
               <a:t>Пятый уровень</a:t>
             </a:r>
-            <a:endParaRPr lang="en-US" dirty="0"/>
+            <a:endParaRPr lang="en-US"/>
           </a:p>
         </p:txBody>
       </p:sp>
@@ -6408,7 +6405,7 @@
           <a:p>
             <a:fld id="{018C0274-0764-4BC3-9C6C-8CC4EEFBCC4D}" type="datetimeFigureOut">
               <a:rPr lang="ru-RU" smtClean="0"/>
-              <a:t>23.06.2020</a:t>
+              <a:t>26.06.2020</a:t>
             </a:fld>
             <a:endParaRPr lang="ru-RU"/>
           </a:p>
@@ -6509,7 +6506,7 @@
               <a:rPr lang="ru-RU"/>
               <a:t>Образец заголовка</a:t>
             </a:r>
-            <a:endParaRPr lang="en-US" dirty="0"/>
+            <a:endParaRPr lang="en-US"/>
           </a:p>
         </p:txBody>
       </p:sp>
@@ -6667,7 +6664,7 @@
               <a:rPr lang="ru-RU"/>
               <a:t>Пятый уровень</a:t>
             </a:r>
-            <a:endParaRPr lang="en-US" dirty="0"/>
+            <a:endParaRPr lang="en-US"/>
           </a:p>
         </p:txBody>
       </p:sp>
@@ -6825,7 +6822,7 @@
               <a:rPr lang="ru-RU"/>
               <a:t>Пятый уровень</a:t>
             </a:r>
-            <a:endParaRPr lang="en-US" dirty="0"/>
+            <a:endParaRPr lang="en-US"/>
           </a:p>
         </p:txBody>
       </p:sp>
@@ -6846,7 +6843,7 @@
           <a:p>
             <a:fld id="{018C0274-0764-4BC3-9C6C-8CC4EEFBCC4D}" type="datetimeFigureOut">
               <a:rPr lang="ru-RU" smtClean="0"/>
-              <a:t>23.06.2020</a:t>
+              <a:t>26.06.2020</a:t>
             </a:fld>
             <a:endParaRPr lang="ru-RU"/>
           </a:p>
@@ -6943,7 +6940,7 @@
               <a:rPr lang="ru-RU"/>
               <a:t>Образец заголовка</a:t>
             </a:r>
-            <a:endParaRPr lang="en-US" dirty="0"/>
+            <a:endParaRPr lang="en-US"/>
           </a:p>
         </p:txBody>
       </p:sp>
@@ -6964,7 +6961,7 @@
           <a:p>
             <a:fld id="{018C0274-0764-4BC3-9C6C-8CC4EEFBCC4D}" type="datetimeFigureOut">
               <a:rPr lang="ru-RU" smtClean="0"/>
-              <a:t>23.06.2020</a:t>
+              <a:t>26.06.2020</a:t>
             </a:fld>
             <a:endParaRPr lang="ru-RU"/>
           </a:p>
@@ -7059,7 +7056,7 @@
           <a:p>
             <a:fld id="{018C0274-0764-4BC3-9C6C-8CC4EEFBCC4D}" type="datetimeFigureOut">
               <a:rPr lang="ru-RU" smtClean="0"/>
-              <a:t>23.06.2020</a:t>
+              <a:t>26.06.2020</a:t>
             </a:fld>
             <a:endParaRPr lang="ru-RU"/>
           </a:p>
@@ -7165,7 +7162,7 @@
               <a:rPr lang="ru-RU"/>
               <a:t>Образец заголовка</a:t>
             </a:r>
-            <a:endParaRPr lang="en-US" dirty="0"/>
+            <a:endParaRPr lang="en-US"/>
           </a:p>
         </p:txBody>
       </p:sp>
@@ -7252,7 +7249,7 @@
               <a:rPr lang="ru-RU"/>
               <a:t>Пятый уровень</a:t>
             </a:r>
-            <a:endParaRPr lang="en-US" dirty="0"/>
+            <a:endParaRPr lang="en-US"/>
           </a:p>
         </p:txBody>
       </p:sp>
@@ -7338,7 +7335,7 @@
           <a:p>
             <a:fld id="{018C0274-0764-4BC3-9C6C-8CC4EEFBCC4D}" type="datetimeFigureOut">
               <a:rPr lang="ru-RU" smtClean="0"/>
-              <a:t>23.06.2020</a:t>
+              <a:t>26.06.2020</a:t>
             </a:fld>
             <a:endParaRPr lang="ru-RU"/>
           </a:p>
@@ -7446,7 +7443,7 @@
               <a:rPr lang="ru-RU"/>
               <a:t>Образец заголовка</a:t>
             </a:r>
-            <a:endParaRPr lang="en-US" dirty="0"/>
+            <a:endParaRPr lang="en-US"/>
           </a:p>
         </p:txBody>
       </p:sp>
@@ -7525,7 +7522,7 @@
               <a:rPr lang="ru-RU"/>
               <a:t>Вставка рисунка</a:t>
             </a:r>
-            <a:endParaRPr lang="en-US" dirty="0"/>
+            <a:endParaRPr lang="en-US"/>
           </a:p>
         </p:txBody>
       </p:sp>
@@ -7613,7 +7610,7 @@
           <a:p>
             <a:fld id="{018C0274-0764-4BC3-9C6C-8CC4EEFBCC4D}" type="datetimeFigureOut">
               <a:rPr lang="ru-RU" smtClean="0"/>
-              <a:t>23.06.2020</a:t>
+              <a:t>26.06.2020</a:t>
             </a:fld>
             <a:endParaRPr lang="ru-RU"/>
           </a:p>
@@ -7940,7 +7937,7 @@
               <a:rPr lang="ru-RU"/>
               <a:t>Образец заголовка</a:t>
             </a:r>
-            <a:endParaRPr lang="en-US" dirty="0"/>
+            <a:endParaRPr lang="en-US"/>
           </a:p>
         </p:txBody>
       </p:sp>
@@ -8002,7 +7999,7 @@
               <a:rPr lang="ru-RU"/>
               <a:t>Пятый уровень</a:t>
             </a:r>
-            <a:endParaRPr lang="en-US" dirty="0"/>
+            <a:endParaRPr lang="en-US"/>
           </a:p>
         </p:txBody>
       </p:sp>
@@ -8042,7 +8039,7 @@
           <a:p>
             <a:fld id="{018C0274-0764-4BC3-9C6C-8CC4EEFBCC4D}" type="datetimeFigureOut">
               <a:rPr lang="ru-RU" smtClean="0"/>
-              <a:t>23.06.2020</a:t>
+              <a:t>26.06.2020</a:t>
             </a:fld>
             <a:endParaRPr lang="ru-RU"/>
           </a:p>
@@ -8565,34 +8562,34 @@
           <a:p>
             <a:pPr algn="ctr"/>
             <a:r>
-              <a:rPr lang="ru-RU" dirty="0">
+              <a:rPr lang="ru-RU">
                 <a:latin typeface="Times New Roman" panose="02020603050405020304" pitchFamily="18" charset="0"/>
                 <a:cs typeface="Times New Roman" panose="02020603050405020304" pitchFamily="18" charset="0"/>
               </a:rPr>
               <a:t>ПРОЕКТ ПО УП</a:t>
             </a:r>
             <a:r>
-              <a:rPr lang="en-US" dirty="0">
+              <a:rPr lang="en-US">
                 <a:latin typeface="Times New Roman" panose="02020603050405020304" pitchFamily="18" charset="0"/>
                 <a:cs typeface="Times New Roman" panose="02020603050405020304" pitchFamily="18" charset="0"/>
               </a:rPr>
               <a:t> “</a:t>
             </a:r>
             <a:r>
-              <a:rPr lang="ru-RU" dirty="0">
+              <a:rPr lang="ru-RU">
                 <a:latin typeface="Times New Roman" panose="02020603050405020304" pitchFamily="18" charset="0"/>
                 <a:cs typeface="Times New Roman" panose="02020603050405020304" pitchFamily="18" charset="0"/>
               </a:rPr>
               <a:t>Цифровой образовательный ресурс </a:t>
             </a:r>
             <a:r>
-              <a:rPr lang="en-US" dirty="0">
+              <a:rPr lang="en-US">
                 <a:latin typeface="Times New Roman" panose="02020603050405020304" pitchFamily="18" charset="0"/>
                 <a:cs typeface="Times New Roman" panose="02020603050405020304" pitchFamily="18" charset="0"/>
               </a:rPr>
               <a:t>BLENDER”</a:t>
             </a:r>
-            <a:endParaRPr lang="ru-RU" dirty="0">
+            <a:endParaRPr lang="ru-RU">
               <a:latin typeface="Times New Roman" panose="02020603050405020304" pitchFamily="18" charset="0"/>
               <a:cs typeface="Times New Roman" panose="02020603050405020304" pitchFamily="18" charset="0"/>
             </a:endParaRPr>
@@ -8621,27 +8618,27 @@
           <a:p>
             <a:pPr algn="r"/>
             <a:r>
-              <a:rPr lang="ru-RU" dirty="0"/>
+              <a:rPr lang="ru-RU"/>
               <a:t>Выполнили</a:t>
             </a:r>
             <a:r>
-              <a:rPr lang="en-US" dirty="0"/>
+              <a:rPr lang="en-US"/>
               <a:t>: </a:t>
             </a:r>
             <a:r>
-              <a:rPr lang="ru-RU" dirty="0" err="1"/>
+              <a:rPr lang="ru-RU" err="1"/>
               <a:t>Коломыченко</a:t>
             </a:r>
             <a:r>
-              <a:rPr lang="ru-RU" dirty="0"/>
+              <a:rPr lang="ru-RU"/>
               <a:t> Н.А., </a:t>
             </a:r>
             <a:r>
-              <a:rPr lang="ru-RU" dirty="0" err="1"/>
+              <a:rPr lang="ru-RU" err="1"/>
               <a:t>Ишунин</a:t>
             </a:r>
             <a:r>
-              <a:rPr lang="ru-RU" dirty="0"/>
+              <a:rPr lang="ru-RU"/>
               <a:t> И.Л.</a:t>
             </a:r>
           </a:p>
@@ -8651,343 +8648,6 @@
     <p:extLst>
       <p:ext uri="{BB962C8B-B14F-4D97-AF65-F5344CB8AC3E}">
         <p14:creationId xmlns:p14="http://schemas.microsoft.com/office/powerpoint/2010/main" val="3046644260"/>
-      </p:ext>
-    </p:extLst>
-  </p:cSld>
-  <p:clrMapOvr>
-    <a:masterClrMapping/>
-  </p:clrMapOvr>
-</p:sld>
-</file>
-
-<file path=ppt/slides/slide10.xml><?xml version="1.0" encoding="utf-8"?>
-<p:sld xmlns:a="http://schemas.openxmlformats.org/drawingml/2006/main" xmlns:r="http://schemas.openxmlformats.org/officeDocument/2006/relationships" xmlns:p="http://schemas.openxmlformats.org/presentationml/2006/main">
-  <p:cSld>
-    <p:spTree>
-      <p:nvGrpSpPr>
-        <p:cNvPr id="1" name=""/>
-        <p:cNvGrpSpPr/>
-        <p:nvPr/>
-      </p:nvGrpSpPr>
-      <p:grpSpPr>
-        <a:xfrm>
-          <a:off x="0" y="0"/>
-          <a:ext cx="0" cy="0"/>
-          <a:chOff x="0" y="0"/>
-          <a:chExt cx="0" cy="0"/>
-        </a:xfrm>
-      </p:grpSpPr>
-      <p:sp>
-        <p:nvSpPr>
-          <p:cNvPr id="2" name="Заголовок 1">
-            <a:extLst>
-              <a:ext uri="{FF2B5EF4-FFF2-40B4-BE49-F238E27FC236}">
-                <a16:creationId xmlns:a16="http://schemas.microsoft.com/office/drawing/2014/main" id="{716A68DA-DBDB-4F06-8E95-EDDC9FB3F76D}"/>
-              </a:ext>
-            </a:extLst>
-          </p:cNvPr>
-          <p:cNvSpPr>
-            <a:spLocks noGrp="1"/>
-          </p:cNvSpPr>
-          <p:nvPr>
-            <p:ph type="title"/>
-          </p:nvPr>
-        </p:nvSpPr>
-        <p:spPr>
-          <a:xfrm>
-            <a:off x="-1066" y="3869"/>
-            <a:ext cx="12191763" cy="742914"/>
-          </a:xfrm>
-        </p:spPr>
-        <p:txBody>
-          <a:bodyPr/>
-          <a:lstStyle/>
-          <a:p>
-            <a:pPr algn="ctr"/>
-            <a:r>
-              <a:rPr lang="ru-RU" dirty="0"/>
-              <a:t>Вкладка тестовые задания</a:t>
-            </a:r>
-            <a:endParaRPr lang="ru-RU"/>
-          </a:p>
-        </p:txBody>
-      </p:sp>
-      <p:pic>
-        <p:nvPicPr>
-          <p:cNvPr id="5" name="Рисунок 5" descr="Изображение выглядит как снимок экрана&#10;&#10;Описание создано с очень высокой степенью достоверности">
-            <a:extLst>
-              <a:ext uri="{FF2B5EF4-FFF2-40B4-BE49-F238E27FC236}">
-                <a16:creationId xmlns:a16="http://schemas.microsoft.com/office/drawing/2014/main" id="{23E2B367-1387-488B-88A1-617B3F878587}"/>
-              </a:ext>
-            </a:extLst>
-          </p:cNvPr>
-          <p:cNvPicPr>
-            <a:picLocks noChangeAspect="1"/>
-          </p:cNvPicPr>
-          <p:nvPr/>
-        </p:nvPicPr>
-        <p:blipFill rotWithShape="1">
-          <a:blip r:embed="rId2"/>
-          <a:srcRect t="8831" r="-146"/>
-          <a:stretch/>
-        </p:blipFill>
-        <p:spPr>
-          <a:xfrm>
-            <a:off x="4260814" y="1167738"/>
-            <a:ext cx="6933529" cy="3551719"/>
-          </a:xfrm>
-          <a:prstGeom prst="rect">
-            <a:avLst/>
-          </a:prstGeom>
-        </p:spPr>
-      </p:pic>
-      <p:sp>
-        <p:nvSpPr>
-          <p:cNvPr id="7" name="TextBox 6">
-            <a:extLst>
-              <a:ext uri="{FF2B5EF4-FFF2-40B4-BE49-F238E27FC236}">
-                <a16:creationId xmlns:a16="http://schemas.microsoft.com/office/drawing/2014/main" id="{FBE81CEF-5209-4815-A096-4B6EE43B7D46}"/>
-              </a:ext>
-            </a:extLst>
-          </p:cNvPr>
-          <p:cNvSpPr txBox="1"/>
-          <p:nvPr/>
-        </p:nvSpPr>
-        <p:spPr>
-          <a:xfrm>
-            <a:off x="910347" y="1167991"/>
-            <a:ext cx="2618676" cy="646331"/>
-          </a:xfrm>
-          <a:prstGeom prst="rect">
-            <a:avLst/>
-          </a:prstGeom>
-        </p:spPr>
-        <p:style>
-          <a:lnRef idx="2">
-            <a:schemeClr val="dk1"/>
-          </a:lnRef>
-          <a:fillRef idx="1">
-            <a:schemeClr val="lt1"/>
-          </a:fillRef>
-          <a:effectRef idx="0">
-            <a:schemeClr val="dk1"/>
-          </a:effectRef>
-          <a:fontRef idx="minor">
-            <a:schemeClr val="dk1"/>
-          </a:fontRef>
-        </p:style>
-        <p:txBody>
-          <a:bodyPr rot="0" spcFirstLastPara="0" vertOverflow="overflow" horzOverflow="overflow" vert="horz" wrap="square" lIns="91440" tIns="45720" rIns="91440" bIns="45720" numCol="1" spcCol="0" rtlCol="0" fromWordArt="0" anchor="t" anchorCtr="0" forceAA="0" compatLnSpc="1">
-            <a:prstTxWarp prst="textNoShape">
-              <a:avLst/>
-            </a:prstTxWarp>
-            <a:spAutoFit/>
-          </a:bodyPr>
-          <a:lstStyle/>
-          <a:p>
-            <a:r>
-              <a:rPr lang="ru-RU" dirty="0"/>
-              <a:t>1. Навигационная панель </a:t>
-            </a:r>
-            <a:r>
-              <a:rPr lang="ru-RU" dirty="0" err="1"/>
-              <a:t>ЦОРа</a:t>
-            </a:r>
-            <a:r>
-              <a:rPr lang="ru-RU" dirty="0"/>
-              <a:t>.</a:t>
-            </a:r>
-          </a:p>
-        </p:txBody>
-      </p:sp>
-      <p:sp>
-        <p:nvSpPr>
-          <p:cNvPr id="9" name="TextBox 8">
-            <a:extLst>
-              <a:ext uri="{FF2B5EF4-FFF2-40B4-BE49-F238E27FC236}">
-                <a16:creationId xmlns:a16="http://schemas.microsoft.com/office/drawing/2014/main" id="{2C058642-CC2C-45EA-8EC8-F44A73D16FCC}"/>
-              </a:ext>
-            </a:extLst>
-          </p:cNvPr>
-          <p:cNvSpPr txBox="1"/>
-          <p:nvPr/>
-        </p:nvSpPr>
-        <p:spPr>
-          <a:xfrm>
-            <a:off x="910347" y="3104368"/>
-            <a:ext cx="2618676" cy="646331"/>
-          </a:xfrm>
-          <a:prstGeom prst="rect">
-            <a:avLst/>
-          </a:prstGeom>
-        </p:spPr>
-        <p:style>
-          <a:lnRef idx="2">
-            <a:schemeClr val="dk1"/>
-          </a:lnRef>
-          <a:fillRef idx="1">
-            <a:schemeClr val="lt1"/>
-          </a:fillRef>
-          <a:effectRef idx="0">
-            <a:schemeClr val="dk1"/>
-          </a:effectRef>
-          <a:fontRef idx="minor">
-            <a:schemeClr val="dk1"/>
-          </a:fontRef>
-        </p:style>
-        <p:txBody>
-          <a:bodyPr rot="0" spcFirstLastPara="0" vertOverflow="overflow" horzOverflow="overflow" vert="horz" wrap="square" lIns="91440" tIns="45720" rIns="91440" bIns="45720" numCol="1" spcCol="0" rtlCol="0" fromWordArt="0" anchor="t" anchorCtr="0" forceAA="0" compatLnSpc="1">
-            <a:prstTxWarp prst="textNoShape">
-              <a:avLst/>
-            </a:prstTxWarp>
-            <a:spAutoFit/>
-          </a:bodyPr>
-          <a:lstStyle/>
-          <a:p>
-            <a:r>
-              <a:rPr lang="ru-RU" dirty="0"/>
-              <a:t>2. Тест состоящий из 25 вопросов.</a:t>
-            </a:r>
-          </a:p>
-        </p:txBody>
-      </p:sp>
-      <p:sp>
-        <p:nvSpPr>
-          <p:cNvPr id="11" name="Объект 2">
-            <a:extLst>
-              <a:ext uri="{FF2B5EF4-FFF2-40B4-BE49-F238E27FC236}">
-                <a16:creationId xmlns:a16="http://schemas.microsoft.com/office/drawing/2014/main" id="{6B65C9AF-B814-4861-AB75-B3827E9F087C}"/>
-              </a:ext>
-            </a:extLst>
-          </p:cNvPr>
-          <p:cNvSpPr>
-            <a:spLocks noGrp="1"/>
-          </p:cNvSpPr>
-          <p:nvPr>
-            <p:ph idx="1"/>
-          </p:nvPr>
-        </p:nvSpPr>
-        <p:spPr>
-          <a:xfrm>
-            <a:off x="653" y="5764306"/>
-            <a:ext cx="12191764" cy="1093693"/>
-          </a:xfrm>
-        </p:spPr>
-        <p:txBody>
-          <a:bodyPr vert="horz" lIns="91440" tIns="45720" rIns="91440" bIns="45720" rtlCol="0" anchor="t">
-            <a:normAutofit/>
-          </a:bodyPr>
-          <a:lstStyle/>
-          <a:p>
-            <a:pPr marL="0" indent="0" algn="ctr">
-              <a:buNone/>
-            </a:pPr>
-            <a:r>
-              <a:rPr lang="ru-RU" dirty="0"/>
-              <a:t>При завершении теста на экран выводится результат.</a:t>
-            </a:r>
-          </a:p>
-          <a:p>
-            <a:pPr marL="0" indent="0" algn="ctr">
-              <a:buNone/>
-            </a:pPr>
-            <a:r>
-              <a:rPr lang="ru-RU" dirty="0"/>
-              <a:t>Более подробно со всеми функциями можно ознакомится в руководстве пользователя.</a:t>
-            </a:r>
-          </a:p>
-        </p:txBody>
-      </p:sp>
-    </p:spTree>
-    <p:extLst>
-      <p:ext uri="{BB962C8B-B14F-4D97-AF65-F5344CB8AC3E}">
-        <p14:creationId xmlns:p14="http://schemas.microsoft.com/office/powerpoint/2010/main" val="2294895534"/>
-      </p:ext>
-    </p:extLst>
-  </p:cSld>
-  <p:clrMapOvr>
-    <a:masterClrMapping/>
-  </p:clrMapOvr>
-</p:sld>
-</file>
-
-<file path=ppt/slides/slide11.xml><?xml version="1.0" encoding="utf-8"?>
-<p:sld xmlns:a="http://schemas.openxmlformats.org/drawingml/2006/main" xmlns:r="http://schemas.openxmlformats.org/officeDocument/2006/relationships" xmlns:p="http://schemas.openxmlformats.org/presentationml/2006/main">
-  <p:cSld>
-    <p:spTree>
-      <p:nvGrpSpPr>
-        <p:cNvPr id="1" name=""/>
-        <p:cNvGrpSpPr/>
-        <p:nvPr/>
-      </p:nvGrpSpPr>
-      <p:grpSpPr>
-        <a:xfrm>
-          <a:off x="0" y="0"/>
-          <a:ext cx="0" cy="0"/>
-          <a:chOff x="0" y="0"/>
-          <a:chExt cx="0" cy="0"/>
-        </a:xfrm>
-      </p:grpSpPr>
-      <p:sp>
-        <p:nvSpPr>
-          <p:cNvPr id="2" name="Заголовок 1">
-            <a:extLst>
-              <a:ext uri="{FF2B5EF4-FFF2-40B4-BE49-F238E27FC236}">
-                <a16:creationId xmlns:a16="http://schemas.microsoft.com/office/drawing/2014/main" id="{CEAD6E49-8EF4-4662-B1DE-55685BDD289B}"/>
-              </a:ext>
-            </a:extLst>
-          </p:cNvPr>
-          <p:cNvSpPr>
-            <a:spLocks noGrp="1"/>
-          </p:cNvSpPr>
-          <p:nvPr>
-            <p:ph type="title"/>
-          </p:nvPr>
-        </p:nvSpPr>
-        <p:spPr>
-          <a:xfrm>
-            <a:off x="653" y="-4482"/>
-            <a:ext cx="12192745" cy="764036"/>
-          </a:xfrm>
-        </p:spPr>
-        <p:txBody>
-          <a:bodyPr/>
-          <a:lstStyle/>
-          <a:p>
-            <a:pPr algn="ctr"/>
-            <a:r>
-              <a:rPr lang="ru-RU" dirty="0"/>
-              <a:t>Заключение</a:t>
-            </a:r>
-          </a:p>
-        </p:txBody>
-      </p:sp>
-      <p:graphicFrame>
-        <p:nvGraphicFramePr>
-          <p:cNvPr id="4" name="Схема 4">
-            <a:extLst>
-              <a:ext uri="{FF2B5EF4-FFF2-40B4-BE49-F238E27FC236}">
-                <a16:creationId xmlns:a16="http://schemas.microsoft.com/office/drawing/2014/main" id="{8C585C79-E3B0-496A-AD0E-9DC32B448BC7}"/>
-              </a:ext>
-            </a:extLst>
-          </p:cNvPr>
-          <p:cNvGraphicFramePr/>
-          <p:nvPr/>
-        </p:nvGraphicFramePr>
-        <p:xfrm>
-          <a:off x="941947" y="1201271"/>
-          <a:ext cx="10309176" cy="4831975"/>
-        </p:xfrm>
-        <a:graphic>
-          <a:graphicData uri="http://schemas.openxmlformats.org/drawingml/2006/diagram">
-            <dgm:relIds xmlns:dgm="http://schemas.openxmlformats.org/drawingml/2006/diagram" xmlns:r="http://schemas.openxmlformats.org/officeDocument/2006/relationships" r:dm="rId2" r:lo="rId3" r:qs="rId4" r:cs="rId5"/>
-          </a:graphicData>
-        </a:graphic>
-      </p:graphicFrame>
-    </p:spTree>
-    <p:extLst>
-      <p:ext uri="{BB962C8B-B14F-4D97-AF65-F5344CB8AC3E}">
-        <p14:creationId xmlns:p14="http://schemas.microsoft.com/office/powerpoint/2010/main" val="3145397139"/>
       </p:ext>
     </p:extLst>
   </p:cSld>
@@ -9016,641 +8676,6 @@
       </p:grpSpPr>
       <p:sp>
         <p:nvSpPr>
-          <p:cNvPr id="3" name="Объект 2"/>
-          <p:cNvSpPr>
-            <a:spLocks noGrp="1"/>
-          </p:cNvSpPr>
-          <p:nvPr>
-            <p:ph idx="1"/>
-          </p:nvPr>
-        </p:nvSpPr>
-        <p:spPr>
-          <a:xfrm>
-            <a:off x="639288" y="2134806"/>
-            <a:ext cx="10934013" cy="2764742"/>
-          </a:xfrm>
-        </p:spPr>
-        <p:txBody>
-          <a:bodyPr>
-            <a:noAutofit/>
-          </a:bodyPr>
-          <a:lstStyle/>
-          <a:p>
-            <a:pPr marL="0" indent="0">
-              <a:buNone/>
-            </a:pPr>
-            <a:r>
-              <a:rPr lang="ru-RU" sz="7200" dirty="0">
-                <a:latin typeface="Times New Roman" panose="02020603050405020304" pitchFamily="18" charset="0"/>
-                <a:cs typeface="Times New Roman" panose="02020603050405020304" pitchFamily="18" charset="0"/>
-              </a:rPr>
-              <a:t>Целью учебной практики и</a:t>
-            </a:r>
-          </a:p>
-          <a:p>
-            <a:pPr marL="0" indent="0">
-              <a:buNone/>
-            </a:pPr>
-            <a:r>
-              <a:rPr lang="ru-RU" sz="7200" dirty="0">
-                <a:latin typeface="Times New Roman" panose="02020603050405020304" pitchFamily="18" charset="0"/>
-                <a:cs typeface="Times New Roman" panose="02020603050405020304" pitchFamily="18" charset="0"/>
-              </a:rPr>
-              <a:t>проектирования является:</a:t>
-            </a:r>
-          </a:p>
-        </p:txBody>
-      </p:sp>
-    </p:spTree>
-    <p:extLst>
-      <p:ext uri="{BB962C8B-B14F-4D97-AF65-F5344CB8AC3E}">
-        <p14:creationId xmlns:p14="http://schemas.microsoft.com/office/powerpoint/2010/main" val="1264107512"/>
-      </p:ext>
-    </p:extLst>
-  </p:cSld>
-  <p:clrMapOvr>
-    <a:masterClrMapping/>
-  </p:clrMapOvr>
-</p:sld>
-</file>
-
-<file path=ppt/slides/slide3.xml><?xml version="1.0" encoding="utf-8"?>
-<p:sld xmlns:a="http://schemas.openxmlformats.org/drawingml/2006/main" xmlns:r="http://schemas.openxmlformats.org/officeDocument/2006/relationships" xmlns:p="http://schemas.openxmlformats.org/presentationml/2006/main">
-  <p:cSld>
-    <p:spTree>
-      <p:nvGrpSpPr>
-        <p:cNvPr id="1" name=""/>
-        <p:cNvGrpSpPr/>
-        <p:nvPr/>
-      </p:nvGrpSpPr>
-      <p:grpSpPr>
-        <a:xfrm>
-          <a:off x="0" y="0"/>
-          <a:ext cx="0" cy="0"/>
-          <a:chOff x="0" y="0"/>
-          <a:chExt cx="0" cy="0"/>
-        </a:xfrm>
-      </p:grpSpPr>
-      <p:sp>
-        <p:nvSpPr>
-          <p:cNvPr id="2" name="Заголовок 1"/>
-          <p:cNvSpPr>
-            <a:spLocks noGrp="1"/>
-          </p:cNvSpPr>
-          <p:nvPr>
-            <p:ph type="title"/>
-          </p:nvPr>
-        </p:nvSpPr>
-        <p:spPr>
-          <a:xfrm>
-            <a:off x="382137" y="302593"/>
-            <a:ext cx="9404723" cy="1400530"/>
-          </a:xfrm>
-        </p:spPr>
-        <p:txBody>
-          <a:bodyPr/>
-          <a:lstStyle/>
-          <a:p>
-            <a:r>
-              <a:rPr lang="ru-RU" sz="7200" dirty="0">
-                <a:latin typeface="Times New Roman" panose="02020603050405020304" pitchFamily="18" charset="0"/>
-                <a:cs typeface="Times New Roman" panose="02020603050405020304" pitchFamily="18" charset="0"/>
-              </a:rPr>
-              <a:t>Цели и задачи работы</a:t>
-            </a:r>
-          </a:p>
-        </p:txBody>
-      </p:sp>
-      <p:sp>
-        <p:nvSpPr>
-          <p:cNvPr id="3" name="Объект 2"/>
-          <p:cNvSpPr>
-            <a:spLocks noGrp="1"/>
-          </p:cNvSpPr>
-          <p:nvPr>
-            <p:ph idx="1"/>
-          </p:nvPr>
-        </p:nvSpPr>
-        <p:spPr>
-          <a:xfrm>
-            <a:off x="382137" y="1542197"/>
-            <a:ext cx="10863618" cy="5131557"/>
-          </a:xfrm>
-        </p:spPr>
-        <p:txBody>
-          <a:bodyPr>
-            <a:noAutofit/>
-          </a:bodyPr>
-          <a:lstStyle/>
-          <a:p>
-            <a:pPr marL="0" indent="0">
-              <a:buNone/>
-            </a:pPr>
-            <a:r>
-              <a:rPr lang="ru-RU" sz="2800" dirty="0">
-                <a:latin typeface="Times New Roman" panose="02020603050405020304" pitchFamily="18" charset="0"/>
-                <a:cs typeface="Times New Roman" panose="02020603050405020304" pitchFamily="18" charset="0"/>
-              </a:rPr>
-              <a:t>Задача заключается в создании образовательного ресурса по </a:t>
-            </a:r>
-            <a:r>
-              <a:rPr lang="ru-RU" sz="2800" dirty="0" err="1">
-                <a:latin typeface="Times New Roman" panose="02020603050405020304" pitchFamily="18" charset="0"/>
-                <a:cs typeface="Times New Roman" panose="02020603050405020304" pitchFamily="18" charset="0"/>
-              </a:rPr>
-              <a:t>ПО</a:t>
-            </a:r>
-            <a:r>
-              <a:rPr lang="ru-RU" sz="2800" dirty="0">
-                <a:latin typeface="Times New Roman" panose="02020603050405020304" pitchFamily="18" charset="0"/>
-                <a:cs typeface="Times New Roman" panose="02020603050405020304" pitchFamily="18" charset="0"/>
-              </a:rPr>
-              <a:t> </a:t>
-            </a:r>
-            <a:r>
-              <a:rPr lang="en-US" sz="2800" dirty="0">
-                <a:latin typeface="Times New Roman" panose="02020603050405020304" pitchFamily="18" charset="0"/>
-                <a:cs typeface="Times New Roman" panose="02020603050405020304" pitchFamily="18" charset="0"/>
-              </a:rPr>
-              <a:t>“Blender”</a:t>
-            </a:r>
-            <a:r>
-              <a:rPr lang="ru-RU" sz="2800" dirty="0">
-                <a:latin typeface="Times New Roman" panose="02020603050405020304" pitchFamily="18" charset="0"/>
-                <a:cs typeface="Times New Roman" panose="02020603050405020304" pitchFamily="18" charset="0"/>
-              </a:rPr>
-              <a:t>. Формирование таблиц БД, которое будет содержать:</a:t>
-            </a:r>
-          </a:p>
-          <a:p>
-            <a:r>
-              <a:rPr lang="ru-RU" sz="2800" dirty="0">
-                <a:latin typeface="Times New Roman" panose="02020603050405020304" pitchFamily="18" charset="0"/>
-                <a:cs typeface="Times New Roman" panose="02020603050405020304" pitchFamily="18" charset="0"/>
-              </a:rPr>
-              <a:t>1) выборку информации;</a:t>
-            </a:r>
-          </a:p>
-          <a:p>
-            <a:r>
-              <a:rPr lang="ru-RU" sz="2800" dirty="0">
-                <a:latin typeface="Times New Roman" panose="02020603050405020304" pitchFamily="18" charset="0"/>
-                <a:cs typeface="Times New Roman" panose="02020603050405020304" pitchFamily="18" charset="0"/>
-              </a:rPr>
-              <a:t>2)формирование нужного результата с помощью SQL-запросов.</a:t>
-            </a:r>
-          </a:p>
-          <a:p>
-            <a:r>
-              <a:rPr lang="ru-RU" sz="2800" dirty="0">
-                <a:latin typeface="Times New Roman" panose="02020603050405020304" pitchFamily="18" charset="0"/>
-                <a:cs typeface="Times New Roman" panose="02020603050405020304" pitchFamily="18" charset="0"/>
-              </a:rPr>
-              <a:t>3)Персонализированная система управления базой</a:t>
-            </a:r>
-            <a:r>
-              <a:rPr lang="en-US" sz="2800" dirty="0">
-                <a:latin typeface="Times New Roman" panose="02020603050405020304" pitchFamily="18" charset="0"/>
-                <a:cs typeface="Times New Roman" panose="02020603050405020304" pitchFamily="18" charset="0"/>
-              </a:rPr>
-              <a:t> </a:t>
-            </a:r>
-            <a:r>
-              <a:rPr lang="ru-RU" sz="2800" dirty="0">
-                <a:latin typeface="Times New Roman" panose="02020603050405020304" pitchFamily="18" charset="0"/>
-                <a:cs typeface="Times New Roman" panose="02020603050405020304" pitchFamily="18" charset="0"/>
-              </a:rPr>
-              <a:t>данных;</a:t>
-            </a:r>
-          </a:p>
-          <a:p>
-            <a:r>
-              <a:rPr lang="ru-RU" sz="2800" dirty="0">
-                <a:latin typeface="Times New Roman" panose="02020603050405020304" pitchFamily="18" charset="0"/>
-                <a:cs typeface="Times New Roman" panose="02020603050405020304" pitchFamily="18" charset="0"/>
-              </a:rPr>
-              <a:t>4)формирование выходных форм пользователю для</a:t>
-            </a:r>
-            <a:r>
-              <a:rPr lang="en-US" sz="2800" dirty="0">
-                <a:latin typeface="Times New Roman" panose="02020603050405020304" pitchFamily="18" charset="0"/>
-                <a:cs typeface="Times New Roman" panose="02020603050405020304" pitchFamily="18" charset="0"/>
-              </a:rPr>
-              <a:t> </a:t>
-            </a:r>
-            <a:r>
-              <a:rPr lang="ru-RU" sz="2800" dirty="0">
-                <a:latin typeface="Times New Roman" panose="02020603050405020304" pitchFamily="18" charset="0"/>
-                <a:cs typeface="Times New Roman" panose="02020603050405020304" pitchFamily="18" charset="0"/>
-              </a:rPr>
-              <a:t>просмотра;</a:t>
-            </a:r>
-          </a:p>
-          <a:p>
-            <a:r>
-              <a:rPr lang="ru-RU" sz="2800" dirty="0">
-                <a:latin typeface="Times New Roman" panose="02020603050405020304" pitchFamily="18" charset="0"/>
-                <a:cs typeface="Times New Roman" panose="02020603050405020304" pitchFamily="18" charset="0"/>
-              </a:rPr>
-              <a:t>5)сокращение технологического времени на поиск</a:t>
-            </a:r>
-            <a:r>
-              <a:rPr lang="en-US" sz="2800" dirty="0">
-                <a:latin typeface="Times New Roman" panose="02020603050405020304" pitchFamily="18" charset="0"/>
-                <a:cs typeface="Times New Roman" panose="02020603050405020304" pitchFamily="18" charset="0"/>
-              </a:rPr>
-              <a:t> </a:t>
-            </a:r>
-            <a:r>
-              <a:rPr lang="ru-RU" sz="2800" dirty="0">
-                <a:latin typeface="Times New Roman" panose="02020603050405020304" pitchFamily="18" charset="0"/>
-                <a:cs typeface="Times New Roman" panose="02020603050405020304" pitchFamily="18" charset="0"/>
-              </a:rPr>
-              <a:t>нужной информации;</a:t>
-            </a:r>
-          </a:p>
-          <a:p>
-            <a:r>
-              <a:rPr lang="ru-RU" sz="2800" dirty="0">
-                <a:latin typeface="Times New Roman" panose="02020603050405020304" pitchFamily="18" charset="0"/>
-                <a:cs typeface="Times New Roman" panose="02020603050405020304" pitchFamily="18" charset="0"/>
-              </a:rPr>
-              <a:t>6)внесение и изменение в базе данных.</a:t>
-            </a:r>
-          </a:p>
-        </p:txBody>
-      </p:sp>
-    </p:spTree>
-    <p:extLst>
-      <p:ext uri="{BB962C8B-B14F-4D97-AF65-F5344CB8AC3E}">
-        <p14:creationId xmlns:p14="http://schemas.microsoft.com/office/powerpoint/2010/main" val="2371030689"/>
-      </p:ext>
-    </p:extLst>
-  </p:cSld>
-  <p:clrMapOvr>
-    <a:masterClrMapping/>
-  </p:clrMapOvr>
-</p:sld>
-</file>
-
-<file path=ppt/slides/slide4.xml><?xml version="1.0" encoding="utf-8"?>
-<p:sld xmlns:a="http://schemas.openxmlformats.org/drawingml/2006/main" xmlns:r="http://schemas.openxmlformats.org/officeDocument/2006/relationships" xmlns:p="http://schemas.openxmlformats.org/presentationml/2006/main">
-  <p:cSld>
-    <p:spTree>
-      <p:nvGrpSpPr>
-        <p:cNvPr id="1" name=""/>
-        <p:cNvGrpSpPr/>
-        <p:nvPr/>
-      </p:nvGrpSpPr>
-      <p:grpSpPr>
-        <a:xfrm>
-          <a:off x="0" y="0"/>
-          <a:ext cx="0" cy="0"/>
-          <a:chOff x="0" y="0"/>
-          <a:chExt cx="0" cy="0"/>
-        </a:xfrm>
-      </p:grpSpPr>
-      <p:sp>
-        <p:nvSpPr>
-          <p:cNvPr id="2" name="Заголовок 1"/>
-          <p:cNvSpPr>
-            <a:spLocks noGrp="1"/>
-          </p:cNvSpPr>
-          <p:nvPr>
-            <p:ph type="title"/>
-          </p:nvPr>
-        </p:nvSpPr>
-        <p:spPr>
-          <a:xfrm>
-            <a:off x="395785" y="275297"/>
-            <a:ext cx="9921922" cy="1400530"/>
-          </a:xfrm>
-        </p:spPr>
-        <p:txBody>
-          <a:bodyPr/>
-          <a:lstStyle/>
-          <a:p>
-            <a:r>
-              <a:rPr lang="ru-RU" sz="4400" dirty="0">
-                <a:latin typeface="Times New Roman" panose="02020603050405020304" pitchFamily="18" charset="0"/>
-                <a:cs typeface="Times New Roman" panose="02020603050405020304" pitchFamily="18" charset="0"/>
-              </a:rPr>
-              <a:t>Для достижения поставленной цели необходимо</a:t>
-            </a:r>
-            <a:r>
-              <a:rPr lang="en-US" sz="4400" dirty="0">
-                <a:latin typeface="Times New Roman" panose="02020603050405020304" pitchFamily="18" charset="0"/>
-                <a:cs typeface="Times New Roman" panose="02020603050405020304" pitchFamily="18" charset="0"/>
-              </a:rPr>
-              <a:t> </a:t>
-            </a:r>
-            <a:r>
-              <a:rPr lang="ru-RU" sz="4400" dirty="0">
-                <a:latin typeface="Times New Roman" panose="02020603050405020304" pitchFamily="18" charset="0"/>
-                <a:cs typeface="Times New Roman" panose="02020603050405020304" pitchFamily="18" charset="0"/>
-              </a:rPr>
-              <a:t>решить следующие задачи:</a:t>
-            </a:r>
-          </a:p>
-        </p:txBody>
-      </p:sp>
-      <p:sp>
-        <p:nvSpPr>
-          <p:cNvPr id="3" name="Объект 2"/>
-          <p:cNvSpPr>
-            <a:spLocks noGrp="1"/>
-          </p:cNvSpPr>
-          <p:nvPr>
-            <p:ph idx="1"/>
-          </p:nvPr>
-        </p:nvSpPr>
-        <p:spPr>
-          <a:xfrm>
-            <a:off x="395785" y="1675827"/>
-            <a:ext cx="11300346" cy="4806859"/>
-          </a:xfrm>
-        </p:spPr>
-        <p:txBody>
-          <a:bodyPr>
-            <a:noAutofit/>
-          </a:bodyPr>
-          <a:lstStyle/>
-          <a:p>
-            <a:r>
-              <a:rPr lang="ru-RU" dirty="0"/>
-              <a:t>1)исследовать предметную область и обосновать необходимость</a:t>
-            </a:r>
-            <a:r>
-              <a:rPr lang="en-US" dirty="0"/>
-              <a:t> </a:t>
-            </a:r>
-            <a:r>
-              <a:rPr lang="ru-RU" dirty="0"/>
-              <a:t>создания автоматизированной системы;</a:t>
-            </a:r>
-          </a:p>
-          <a:p>
-            <a:r>
-              <a:rPr lang="ru-RU" dirty="0"/>
-              <a:t>2)провести анализ предметной области на основе полученных</a:t>
-            </a:r>
-            <a:r>
-              <a:rPr lang="en-US" dirty="0"/>
-              <a:t> </a:t>
-            </a:r>
-            <a:r>
-              <a:rPr lang="ru-RU" dirty="0"/>
-              <a:t>результатов исследования;</a:t>
-            </a:r>
-          </a:p>
-          <a:p>
-            <a:r>
-              <a:rPr lang="ru-RU" dirty="0"/>
-              <a:t>3) описать структуру базы данных;</a:t>
-            </a:r>
-          </a:p>
-          <a:p>
-            <a:r>
-              <a:rPr lang="ru-RU" dirty="0"/>
-              <a:t>4) выбрать систему управления базой данных (СУБД) и создать базу</a:t>
-            </a:r>
-            <a:r>
-              <a:rPr lang="en-US" dirty="0"/>
-              <a:t> </a:t>
-            </a:r>
-            <a:r>
-              <a:rPr lang="ru-RU" dirty="0"/>
-              <a:t>данных (БД), состоящую из таблиц, в которую информация будет</a:t>
-            </a:r>
-            <a:r>
-              <a:rPr lang="en-US" dirty="0"/>
-              <a:t> </a:t>
-            </a:r>
-            <a:r>
-              <a:rPr lang="ru-RU" dirty="0"/>
-              <a:t>поступать, храниться и удаляться;</a:t>
-            </a:r>
-          </a:p>
-          <a:p>
-            <a:r>
-              <a:rPr lang="ru-RU" dirty="0"/>
-              <a:t>5) выбрать средство разработки приложения пользователя;</a:t>
-            </a:r>
-          </a:p>
-          <a:p>
-            <a:r>
-              <a:rPr lang="ru-RU" dirty="0"/>
-              <a:t>6) обеспечить ввод, изменение и удаление записей в таблицах базы</a:t>
-            </a:r>
-            <a:r>
-              <a:rPr lang="en-US" dirty="0"/>
-              <a:t> </a:t>
-            </a:r>
-            <a:r>
-              <a:rPr lang="ru-RU" dirty="0"/>
-              <a:t>данных (ТБД) нормативно-справочной информации (НСИ) и</a:t>
-            </a:r>
-            <a:r>
-              <a:rPr lang="en-US" dirty="0"/>
-              <a:t> </a:t>
-            </a:r>
-            <a:r>
-              <a:rPr lang="ru-RU" dirty="0"/>
-              <a:t>оперативной информации;</a:t>
-            </a:r>
-          </a:p>
-          <a:p>
-            <a:r>
-              <a:rPr lang="ru-RU" dirty="0"/>
-              <a:t>7) обеспечить выборку данных для формирования выходных форм;</a:t>
-            </a:r>
-          </a:p>
-        </p:txBody>
-      </p:sp>
-    </p:spTree>
-    <p:extLst>
-      <p:ext uri="{BB962C8B-B14F-4D97-AF65-F5344CB8AC3E}">
-        <p14:creationId xmlns:p14="http://schemas.microsoft.com/office/powerpoint/2010/main" val="3585150061"/>
-      </p:ext>
-    </p:extLst>
-  </p:cSld>
-  <p:clrMapOvr>
-    <a:masterClrMapping/>
-  </p:clrMapOvr>
-</p:sld>
-</file>
-
-<file path=ppt/slides/slide5.xml><?xml version="1.0" encoding="utf-8"?>
-<p:sld xmlns:a="http://schemas.openxmlformats.org/drawingml/2006/main" xmlns:r="http://schemas.openxmlformats.org/officeDocument/2006/relationships" xmlns:p="http://schemas.openxmlformats.org/presentationml/2006/main">
-  <p:cSld>
-    <p:spTree>
-      <p:nvGrpSpPr>
-        <p:cNvPr id="1" name=""/>
-        <p:cNvGrpSpPr/>
-        <p:nvPr/>
-      </p:nvGrpSpPr>
-      <p:grpSpPr>
-        <a:xfrm>
-          <a:off x="0" y="0"/>
-          <a:ext cx="0" cy="0"/>
-          <a:chOff x="0" y="0"/>
-          <a:chExt cx="0" cy="0"/>
-        </a:xfrm>
-      </p:grpSpPr>
-      <p:sp>
-        <p:nvSpPr>
-          <p:cNvPr id="2" name="Заголовок 1"/>
-          <p:cNvSpPr>
-            <a:spLocks noGrp="1"/>
-          </p:cNvSpPr>
-          <p:nvPr>
-            <p:ph type="title"/>
-          </p:nvPr>
-        </p:nvSpPr>
-        <p:spPr/>
-        <p:txBody>
-          <a:bodyPr/>
-          <a:lstStyle/>
-          <a:p>
-            <a:r>
-              <a:rPr lang="ru-RU" dirty="0"/>
-              <a:t>Требования к ресурсу</a:t>
-            </a:r>
-          </a:p>
-        </p:txBody>
-      </p:sp>
-      <p:sp>
-        <p:nvSpPr>
-          <p:cNvPr id="3" name="Объект 2"/>
-          <p:cNvSpPr>
-            <a:spLocks noGrp="1"/>
-          </p:cNvSpPr>
-          <p:nvPr>
-            <p:ph idx="1"/>
-          </p:nvPr>
-        </p:nvSpPr>
-        <p:spPr>
-          <a:xfrm>
-            <a:off x="646111" y="1315939"/>
-            <a:ext cx="11213793" cy="4962031"/>
-          </a:xfrm>
-        </p:spPr>
-        <p:txBody>
-          <a:bodyPr>
-            <a:noAutofit/>
-          </a:bodyPr>
-          <a:lstStyle/>
-          <a:p>
-            <a:r>
-              <a:rPr lang="ru-RU" dirty="0"/>
-              <a:t>Требования к функциональным характеристикам:</a:t>
-            </a:r>
-          </a:p>
-          <a:p>
-            <a:r>
-              <a:rPr lang="ru-RU" dirty="0"/>
-              <a:t>Приложение: “Электронный журнал” должен обеспечивать выполнение</a:t>
-            </a:r>
-            <a:r>
-              <a:rPr lang="en-US" dirty="0"/>
-              <a:t> </a:t>
-            </a:r>
-            <a:r>
-              <a:rPr lang="ru-RU" dirty="0"/>
-              <a:t>функций:</a:t>
-            </a:r>
-          </a:p>
-          <a:p>
-            <a:r>
-              <a:rPr lang="ru-RU" dirty="0"/>
-              <a:t>Ввод, хранение и поиск информации об учебном процессе.</a:t>
-            </a:r>
-          </a:p>
-          <a:p>
-            <a:r>
-              <a:rPr lang="ru-RU" dirty="0"/>
-              <a:t>Своевременное получение информации об учебном прогрессе.</a:t>
-            </a:r>
-          </a:p>
-          <a:p>
-            <a:r>
-              <a:rPr lang="ru-RU" dirty="0"/>
-              <a:t>Формирование отчетов об учебном процессе.</a:t>
-            </a:r>
-          </a:p>
-          <a:p>
-            <a:pPr marL="0" indent="0">
-              <a:buNone/>
-            </a:pPr>
-            <a:r>
-              <a:rPr lang="ru-RU" dirty="0"/>
-              <a:t>Требование к надежности:</a:t>
-            </a:r>
-          </a:p>
-          <a:p>
-            <a:r>
-              <a:rPr lang="ru-RU" dirty="0"/>
-              <a:t>Возможность самовосстановления после сбоев</a:t>
-            </a:r>
-          </a:p>
-          <a:p>
-            <a:r>
-              <a:rPr lang="ru-RU" dirty="0"/>
-              <a:t>Парольную защиту</a:t>
-            </a:r>
-          </a:p>
-          <a:p>
-            <a:r>
-              <a:rPr lang="ru-RU" dirty="0"/>
-              <a:t>Ограничение доступа к данным</a:t>
-            </a:r>
-          </a:p>
-          <a:p>
-            <a:r>
-              <a:rPr lang="ru-RU" dirty="0"/>
-              <a:t>Разграничение прав пользователей</a:t>
-            </a:r>
-          </a:p>
-          <a:p>
-            <a:r>
-              <a:rPr lang="ru-RU" dirty="0"/>
-              <a:t>Возможность резервного копирования</a:t>
-            </a:r>
-          </a:p>
-        </p:txBody>
-      </p:sp>
-    </p:spTree>
-    <p:extLst>
-      <p:ext uri="{BB962C8B-B14F-4D97-AF65-F5344CB8AC3E}">
-        <p14:creationId xmlns:p14="http://schemas.microsoft.com/office/powerpoint/2010/main" val="3962750261"/>
-      </p:ext>
-    </p:extLst>
-  </p:cSld>
-  <p:clrMapOvr>
-    <a:masterClrMapping/>
-  </p:clrMapOvr>
-</p:sld>
-</file>
-
-<file path=ppt/slides/slide6.xml><?xml version="1.0" encoding="utf-8"?>
-<p:sld xmlns:a="http://schemas.openxmlformats.org/drawingml/2006/main" xmlns:r="http://schemas.openxmlformats.org/officeDocument/2006/relationships" xmlns:p="http://schemas.openxmlformats.org/presentationml/2006/main">
-  <p:cSld>
-    <p:spTree>
-      <p:nvGrpSpPr>
-        <p:cNvPr id="1" name=""/>
-        <p:cNvGrpSpPr/>
-        <p:nvPr/>
-      </p:nvGrpSpPr>
-      <p:grpSpPr>
-        <a:xfrm>
-          <a:off x="0" y="0"/>
-          <a:ext cx="0" cy="0"/>
-          <a:chOff x="0" y="0"/>
-          <a:chExt cx="0" cy="0"/>
-        </a:xfrm>
-      </p:grpSpPr>
-      <p:sp>
-        <p:nvSpPr>
           <p:cNvPr id="2" name="Заголовок 1"/>
           <p:cNvSpPr>
             <a:spLocks noGrp="1"/>
@@ -9670,7 +8695,7 @@
           <a:lstStyle/>
           <a:p>
             <a:r>
-              <a:rPr lang="ru-RU" dirty="0"/>
+              <a:rPr lang="ru-RU"/>
               <a:t>Структура построения проекта</a:t>
             </a:r>
           </a:p>
@@ -9717,7 +8742,7 @@
           <a:p>
             <a:pPr algn="ctr"/>
             <a:r>
-              <a:rPr lang="ru-RU" dirty="0"/>
+              <a:rPr lang="ru-RU"/>
               <a:t>Index.html</a:t>
             </a:r>
           </a:p>
@@ -9894,10 +8919,9 @@
           <a:p>
             <a:pPr algn="ctr"/>
             <a:r>
-              <a:rPr lang="ru-RU" dirty="0"/>
+              <a:rPr lang="ru-RU"/>
               <a:t>TextMaterial.html</a:t>
             </a:r>
-            <a:endParaRPr lang="ru-RU"/>
           </a:p>
         </p:txBody>
       </p:sp>
@@ -9934,7 +8958,7 @@
           <a:p>
             <a:pPr algn="ctr"/>
             <a:r>
-              <a:rPr lang="ru-RU" dirty="0" err="1"/>
+              <a:rPr lang="ru-RU" err="1"/>
               <a:t>Test.php</a:t>
             </a:r>
             <a:endParaRPr lang="ru-RU"/>
@@ -9974,10 +8998,9 @@
           <a:p>
             <a:pPr algn="ctr"/>
             <a:r>
-              <a:rPr lang="ru-RU" dirty="0"/>
+              <a:rPr lang="ru-RU"/>
               <a:t>VideoMaterial.html</a:t>
             </a:r>
-            <a:endParaRPr lang="ru-RU"/>
           </a:p>
         </p:txBody>
       </p:sp>
@@ -10120,7 +9143,7 @@
 </p:sld>
 </file>
 
-<file path=ppt/slides/slide7.xml><?xml version="1.0" encoding="utf-8"?>
+<file path=ppt/slides/slide3.xml><?xml version="1.0" encoding="utf-8"?>
 <p:sld xmlns:a="http://schemas.openxmlformats.org/drawingml/2006/main" xmlns:r="http://schemas.openxmlformats.org/officeDocument/2006/relationships" xmlns:p="http://schemas.openxmlformats.org/presentationml/2006/main">
   <p:cSld>
     <p:spTree>
@@ -10165,10 +9188,9 @@
           <a:p>
             <a:pPr algn="ctr"/>
             <a:r>
-              <a:rPr lang="ru-RU" dirty="0"/>
+              <a:rPr lang="ru-RU"/>
               <a:t>Стартовая страница</a:t>
             </a:r>
-            <a:endParaRPr lang="ru-RU"/>
           </a:p>
         </p:txBody>
       </p:sp>
@@ -10247,15 +9269,15 @@
           <a:lstStyle/>
           <a:p>
             <a:r>
-              <a:rPr lang="ru-RU" dirty="0"/>
+              <a:rPr lang="ru-RU"/>
               <a:t>1. Навигационная панель </a:t>
             </a:r>
             <a:r>
-              <a:rPr lang="ru-RU" dirty="0" err="1"/>
+              <a:rPr lang="ru-RU" err="1"/>
               <a:t>ЦОРа</a:t>
             </a:r>
             <a:r>
-              <a:rPr lang="ru-RU" dirty="0"/>
+              <a:rPr lang="ru-RU"/>
               <a:t>.</a:t>
             </a:r>
           </a:p>
@@ -10306,7 +9328,7 @@
           <a:lstStyle/>
           <a:p>
             <a:r>
-              <a:rPr lang="ru-RU" dirty="0"/>
+              <a:rPr lang="ru-RU"/>
               <a:t>2. Первичный экран.</a:t>
             </a:r>
           </a:p>
@@ -10357,15 +9379,15 @@
           <a:lstStyle/>
           <a:p>
             <a:r>
-              <a:rPr lang="ru-RU" dirty="0"/>
+              <a:rPr lang="ru-RU"/>
               <a:t>3. Предоставление возможностей </a:t>
             </a:r>
             <a:r>
-              <a:rPr lang="ru-RU" dirty="0" err="1"/>
+              <a:rPr lang="ru-RU" err="1"/>
               <a:t>ЦОРа</a:t>
             </a:r>
             <a:r>
-              <a:rPr lang="ru-RU" dirty="0"/>
+              <a:rPr lang="ru-RU"/>
               <a:t>.</a:t>
             </a:r>
           </a:p>
@@ -10416,15 +9438,15 @@
           <a:lstStyle/>
           <a:p>
             <a:r>
-              <a:rPr lang="ru-RU" dirty="0"/>
+              <a:rPr lang="ru-RU"/>
               <a:t>4. Футер сайта с </a:t>
             </a:r>
             <a:r>
-              <a:rPr lang="ru-RU" dirty="0" err="1"/>
+              <a:rPr lang="ru-RU" err="1"/>
               <a:t>сылкой</a:t>
             </a:r>
             <a:r>
-              <a:rPr lang="ru-RU" dirty="0"/>
+              <a:rPr lang="ru-RU"/>
               <a:t> на руководство для пользователя.</a:t>
             </a:r>
           </a:p>
@@ -10443,7 +9465,7 @@
 </p:sld>
 </file>
 
-<file path=ppt/slides/slide8.xml><?xml version="1.0" encoding="utf-8"?>
+<file path=ppt/slides/slide4.xml><?xml version="1.0" encoding="utf-8"?>
 <p:sld xmlns:a="http://schemas.openxmlformats.org/drawingml/2006/main" xmlns:r="http://schemas.openxmlformats.org/officeDocument/2006/relationships" xmlns:p="http://schemas.openxmlformats.org/presentationml/2006/main">
   <p:cSld>
     <p:spTree>
@@ -10488,7 +9510,7 @@
           <a:p>
             <a:pPr algn="ctr"/>
             <a:r>
-              <a:rPr lang="ru-RU" dirty="0"/>
+              <a:rPr lang="ru-RU"/>
               <a:t>Вкладка материалы курса.</a:t>
             </a:r>
           </a:p>
@@ -10526,7 +9548,7 @@
               <a:buNone/>
             </a:pPr>
             <a:r>
-              <a:rPr lang="ru-RU" dirty="0"/>
+              <a:rPr lang="ru-RU"/>
               <a:t>При нажатии на любую из панелей разворачивается информация изложенная в главе.</a:t>
             </a:r>
           </a:p>
@@ -10606,15 +9628,15 @@
           <a:lstStyle/>
           <a:p>
             <a:r>
-              <a:rPr lang="ru-RU" dirty="0"/>
+              <a:rPr lang="ru-RU"/>
               <a:t>1. Навигационная панель </a:t>
             </a:r>
             <a:r>
-              <a:rPr lang="ru-RU" dirty="0" err="1"/>
+              <a:rPr lang="ru-RU" err="1"/>
               <a:t>ЦОРа</a:t>
             </a:r>
             <a:r>
-              <a:rPr lang="ru-RU" dirty="0"/>
+              <a:rPr lang="ru-RU"/>
               <a:t>.</a:t>
             </a:r>
           </a:p>
@@ -10665,7 +9687,7 @@
           <a:lstStyle/>
           <a:p>
             <a:r>
-              <a:rPr lang="ru-RU" dirty="0"/>
+              <a:rPr lang="ru-RU"/>
               <a:t>2. Отдельно развертывающиеся панели</a:t>
             </a:r>
           </a:p>
@@ -10684,7 +9706,7 @@
 </p:sld>
 </file>
 
-<file path=ppt/slides/slide9.xml><?xml version="1.0" encoding="utf-8"?>
+<file path=ppt/slides/slide5.xml><?xml version="1.0" encoding="utf-8"?>
 <p:sld xmlns:a="http://schemas.openxmlformats.org/drawingml/2006/main" xmlns:r="http://schemas.openxmlformats.org/officeDocument/2006/relationships" xmlns:p="http://schemas.openxmlformats.org/presentationml/2006/main">
   <p:cSld>
     <p:spTree>
@@ -10729,10 +9751,9 @@
           <a:p>
             <a:pPr algn="ctr"/>
             <a:r>
-              <a:rPr lang="ru-RU" dirty="0"/>
+              <a:rPr lang="ru-RU"/>
               <a:t>Вкладка Видео материалы</a:t>
             </a:r>
-            <a:endParaRPr lang="ru-RU"/>
           </a:p>
         </p:txBody>
       </p:sp>
@@ -10768,7 +9789,7 @@
               <a:buNone/>
             </a:pPr>
             <a:r>
-              <a:rPr lang="ru-RU" dirty="0"/>
+              <a:rPr lang="ru-RU"/>
               <a:t>При нажатии на любую из панелей разворачивается видео привязанное к данной панели.</a:t>
             </a:r>
           </a:p>
@@ -10848,15 +9869,15 @@
           <a:lstStyle/>
           <a:p>
             <a:r>
-              <a:rPr lang="ru-RU" dirty="0"/>
+              <a:rPr lang="ru-RU"/>
               <a:t>1. Навигационная панель </a:t>
             </a:r>
             <a:r>
-              <a:rPr lang="ru-RU" dirty="0" err="1"/>
+              <a:rPr lang="ru-RU" err="1"/>
               <a:t>ЦОРа</a:t>
             </a:r>
             <a:r>
-              <a:rPr lang="ru-RU" dirty="0"/>
+              <a:rPr lang="ru-RU"/>
               <a:t>.</a:t>
             </a:r>
           </a:p>
@@ -10907,7 +9928,7 @@
           <a:lstStyle/>
           <a:p>
             <a:r>
-              <a:rPr lang="ru-RU" dirty="0"/>
+              <a:rPr lang="ru-RU"/>
               <a:t>2. Отдельно развертывающиеся панели</a:t>
             </a:r>
           </a:p>
@@ -10917,6 +9938,342 @@
     <p:extLst>
       <p:ext uri="{BB962C8B-B14F-4D97-AF65-F5344CB8AC3E}">
         <p14:creationId xmlns:p14="http://schemas.microsoft.com/office/powerpoint/2010/main" val="1963766542"/>
+      </p:ext>
+    </p:extLst>
+  </p:cSld>
+  <p:clrMapOvr>
+    <a:masterClrMapping/>
+  </p:clrMapOvr>
+</p:sld>
+</file>
+
+<file path=ppt/slides/slide6.xml><?xml version="1.0" encoding="utf-8"?>
+<p:sld xmlns:a="http://schemas.openxmlformats.org/drawingml/2006/main" xmlns:r="http://schemas.openxmlformats.org/officeDocument/2006/relationships" xmlns:p="http://schemas.openxmlformats.org/presentationml/2006/main">
+  <p:cSld>
+    <p:spTree>
+      <p:nvGrpSpPr>
+        <p:cNvPr id="1" name=""/>
+        <p:cNvGrpSpPr/>
+        <p:nvPr/>
+      </p:nvGrpSpPr>
+      <p:grpSpPr>
+        <a:xfrm>
+          <a:off x="0" y="0"/>
+          <a:ext cx="0" cy="0"/>
+          <a:chOff x="0" y="0"/>
+          <a:chExt cx="0" cy="0"/>
+        </a:xfrm>
+      </p:grpSpPr>
+      <p:sp>
+        <p:nvSpPr>
+          <p:cNvPr id="2" name="Заголовок 1">
+            <a:extLst>
+              <a:ext uri="{FF2B5EF4-FFF2-40B4-BE49-F238E27FC236}">
+                <a16:creationId xmlns:a16="http://schemas.microsoft.com/office/drawing/2014/main" id="{716A68DA-DBDB-4F06-8E95-EDDC9FB3F76D}"/>
+              </a:ext>
+            </a:extLst>
+          </p:cNvPr>
+          <p:cNvSpPr>
+            <a:spLocks noGrp="1"/>
+          </p:cNvSpPr>
+          <p:nvPr>
+            <p:ph type="title"/>
+          </p:nvPr>
+        </p:nvSpPr>
+        <p:spPr>
+          <a:xfrm>
+            <a:off x="-1066" y="3869"/>
+            <a:ext cx="12191763" cy="742914"/>
+          </a:xfrm>
+        </p:spPr>
+        <p:txBody>
+          <a:bodyPr/>
+          <a:lstStyle/>
+          <a:p>
+            <a:pPr algn="ctr"/>
+            <a:r>
+              <a:rPr lang="ru-RU"/>
+              <a:t>Вкладка тестовые задания</a:t>
+            </a:r>
+          </a:p>
+        </p:txBody>
+      </p:sp>
+      <p:pic>
+        <p:nvPicPr>
+          <p:cNvPr id="5" name="Рисунок 5" descr="Изображение выглядит как снимок экрана&#10;&#10;Описание создано с очень высокой степенью достоверности">
+            <a:extLst>
+              <a:ext uri="{FF2B5EF4-FFF2-40B4-BE49-F238E27FC236}">
+                <a16:creationId xmlns:a16="http://schemas.microsoft.com/office/drawing/2014/main" id="{23E2B367-1387-488B-88A1-617B3F878587}"/>
+              </a:ext>
+            </a:extLst>
+          </p:cNvPr>
+          <p:cNvPicPr>
+            <a:picLocks noChangeAspect="1"/>
+          </p:cNvPicPr>
+          <p:nvPr/>
+        </p:nvPicPr>
+        <p:blipFill rotWithShape="1">
+          <a:blip r:embed="rId2"/>
+          <a:srcRect t="8831" r="-146"/>
+          <a:stretch/>
+        </p:blipFill>
+        <p:spPr>
+          <a:xfrm>
+            <a:off x="4260814" y="1167738"/>
+            <a:ext cx="6933529" cy="3551719"/>
+          </a:xfrm>
+          <a:prstGeom prst="rect">
+            <a:avLst/>
+          </a:prstGeom>
+        </p:spPr>
+      </p:pic>
+      <p:sp>
+        <p:nvSpPr>
+          <p:cNvPr id="7" name="TextBox 6">
+            <a:extLst>
+              <a:ext uri="{FF2B5EF4-FFF2-40B4-BE49-F238E27FC236}">
+                <a16:creationId xmlns:a16="http://schemas.microsoft.com/office/drawing/2014/main" id="{FBE81CEF-5209-4815-A096-4B6EE43B7D46}"/>
+              </a:ext>
+            </a:extLst>
+          </p:cNvPr>
+          <p:cNvSpPr txBox="1"/>
+          <p:nvPr/>
+        </p:nvSpPr>
+        <p:spPr>
+          <a:xfrm>
+            <a:off x="910347" y="1167991"/>
+            <a:ext cx="2618676" cy="646331"/>
+          </a:xfrm>
+          <a:prstGeom prst="rect">
+            <a:avLst/>
+          </a:prstGeom>
+        </p:spPr>
+        <p:style>
+          <a:lnRef idx="2">
+            <a:schemeClr val="dk1"/>
+          </a:lnRef>
+          <a:fillRef idx="1">
+            <a:schemeClr val="lt1"/>
+          </a:fillRef>
+          <a:effectRef idx="0">
+            <a:schemeClr val="dk1"/>
+          </a:effectRef>
+          <a:fontRef idx="minor">
+            <a:schemeClr val="dk1"/>
+          </a:fontRef>
+        </p:style>
+        <p:txBody>
+          <a:bodyPr rot="0" spcFirstLastPara="0" vertOverflow="overflow" horzOverflow="overflow" vert="horz" wrap="square" lIns="91440" tIns="45720" rIns="91440" bIns="45720" numCol="1" spcCol="0" rtlCol="0" fromWordArt="0" anchor="t" anchorCtr="0" forceAA="0" compatLnSpc="1">
+            <a:prstTxWarp prst="textNoShape">
+              <a:avLst/>
+            </a:prstTxWarp>
+            <a:spAutoFit/>
+          </a:bodyPr>
+          <a:lstStyle/>
+          <a:p>
+            <a:r>
+              <a:rPr lang="ru-RU"/>
+              <a:t>1. Навигационная панель </a:t>
+            </a:r>
+            <a:r>
+              <a:rPr lang="ru-RU" err="1"/>
+              <a:t>ЦОРа</a:t>
+            </a:r>
+            <a:r>
+              <a:rPr lang="ru-RU"/>
+              <a:t>.</a:t>
+            </a:r>
+          </a:p>
+        </p:txBody>
+      </p:sp>
+      <p:sp>
+        <p:nvSpPr>
+          <p:cNvPr id="9" name="TextBox 8">
+            <a:extLst>
+              <a:ext uri="{FF2B5EF4-FFF2-40B4-BE49-F238E27FC236}">
+                <a16:creationId xmlns:a16="http://schemas.microsoft.com/office/drawing/2014/main" id="{2C058642-CC2C-45EA-8EC8-F44A73D16FCC}"/>
+              </a:ext>
+            </a:extLst>
+          </p:cNvPr>
+          <p:cNvSpPr txBox="1"/>
+          <p:nvPr/>
+        </p:nvSpPr>
+        <p:spPr>
+          <a:xfrm>
+            <a:off x="910347" y="3104368"/>
+            <a:ext cx="2618676" cy="646331"/>
+          </a:xfrm>
+          <a:prstGeom prst="rect">
+            <a:avLst/>
+          </a:prstGeom>
+        </p:spPr>
+        <p:style>
+          <a:lnRef idx="2">
+            <a:schemeClr val="dk1"/>
+          </a:lnRef>
+          <a:fillRef idx="1">
+            <a:schemeClr val="lt1"/>
+          </a:fillRef>
+          <a:effectRef idx="0">
+            <a:schemeClr val="dk1"/>
+          </a:effectRef>
+          <a:fontRef idx="minor">
+            <a:schemeClr val="dk1"/>
+          </a:fontRef>
+        </p:style>
+        <p:txBody>
+          <a:bodyPr rot="0" spcFirstLastPara="0" vertOverflow="overflow" horzOverflow="overflow" vert="horz" wrap="square" lIns="91440" tIns="45720" rIns="91440" bIns="45720" numCol="1" spcCol="0" rtlCol="0" fromWordArt="0" anchor="t" anchorCtr="0" forceAA="0" compatLnSpc="1">
+            <a:prstTxWarp prst="textNoShape">
+              <a:avLst/>
+            </a:prstTxWarp>
+            <a:spAutoFit/>
+          </a:bodyPr>
+          <a:lstStyle/>
+          <a:p>
+            <a:r>
+              <a:rPr lang="ru-RU"/>
+              <a:t>2. Тест состоящий из 25 вопросов.</a:t>
+            </a:r>
+          </a:p>
+        </p:txBody>
+      </p:sp>
+      <p:sp>
+        <p:nvSpPr>
+          <p:cNvPr id="11" name="Объект 2">
+            <a:extLst>
+              <a:ext uri="{FF2B5EF4-FFF2-40B4-BE49-F238E27FC236}">
+                <a16:creationId xmlns:a16="http://schemas.microsoft.com/office/drawing/2014/main" id="{6B65C9AF-B814-4861-AB75-B3827E9F087C}"/>
+              </a:ext>
+            </a:extLst>
+          </p:cNvPr>
+          <p:cNvSpPr>
+            <a:spLocks noGrp="1"/>
+          </p:cNvSpPr>
+          <p:nvPr>
+            <p:ph idx="1"/>
+          </p:nvPr>
+        </p:nvSpPr>
+        <p:spPr>
+          <a:xfrm>
+            <a:off x="653" y="5764306"/>
+            <a:ext cx="12191764" cy="1093693"/>
+          </a:xfrm>
+        </p:spPr>
+        <p:txBody>
+          <a:bodyPr vert="horz" lIns="91440" tIns="45720" rIns="91440" bIns="45720" rtlCol="0" anchor="t">
+            <a:normAutofit/>
+          </a:bodyPr>
+          <a:lstStyle/>
+          <a:p>
+            <a:pPr marL="0" indent="0" algn="ctr">
+              <a:buNone/>
+            </a:pPr>
+            <a:r>
+              <a:rPr lang="ru-RU"/>
+              <a:t>При завершении теста на экран выводится результат.</a:t>
+            </a:r>
+          </a:p>
+          <a:p>
+            <a:pPr marL="0" indent="0" algn="ctr">
+              <a:buNone/>
+            </a:pPr>
+            <a:r>
+              <a:rPr lang="ru-RU"/>
+              <a:t>Более подробно со всеми функциями можно ознакомится в руководстве пользователя.</a:t>
+            </a:r>
+          </a:p>
+        </p:txBody>
+      </p:sp>
+    </p:spTree>
+    <p:extLst>
+      <p:ext uri="{BB962C8B-B14F-4D97-AF65-F5344CB8AC3E}">
+        <p14:creationId xmlns:p14="http://schemas.microsoft.com/office/powerpoint/2010/main" val="2294895534"/>
+      </p:ext>
+    </p:extLst>
+  </p:cSld>
+  <p:clrMapOvr>
+    <a:masterClrMapping/>
+  </p:clrMapOvr>
+</p:sld>
+</file>
+
+<file path=ppt/slides/slide7.xml><?xml version="1.0" encoding="utf-8"?>
+<p:sld xmlns:a="http://schemas.openxmlformats.org/drawingml/2006/main" xmlns:r="http://schemas.openxmlformats.org/officeDocument/2006/relationships" xmlns:p="http://schemas.openxmlformats.org/presentationml/2006/main">
+  <p:cSld>
+    <p:spTree>
+      <p:nvGrpSpPr>
+        <p:cNvPr id="1" name=""/>
+        <p:cNvGrpSpPr/>
+        <p:nvPr/>
+      </p:nvGrpSpPr>
+      <p:grpSpPr>
+        <a:xfrm>
+          <a:off x="0" y="0"/>
+          <a:ext cx="0" cy="0"/>
+          <a:chOff x="0" y="0"/>
+          <a:chExt cx="0" cy="0"/>
+        </a:xfrm>
+      </p:grpSpPr>
+      <p:sp>
+        <p:nvSpPr>
+          <p:cNvPr id="2" name="Заголовок 1">
+            <a:extLst>
+              <a:ext uri="{FF2B5EF4-FFF2-40B4-BE49-F238E27FC236}">
+                <a16:creationId xmlns:a16="http://schemas.microsoft.com/office/drawing/2014/main" id="{CEAD6E49-8EF4-4662-B1DE-55685BDD289B}"/>
+              </a:ext>
+            </a:extLst>
+          </p:cNvPr>
+          <p:cNvSpPr>
+            <a:spLocks noGrp="1"/>
+          </p:cNvSpPr>
+          <p:nvPr>
+            <p:ph type="title"/>
+          </p:nvPr>
+        </p:nvSpPr>
+        <p:spPr>
+          <a:xfrm>
+            <a:off x="653" y="-4482"/>
+            <a:ext cx="12192745" cy="764036"/>
+          </a:xfrm>
+        </p:spPr>
+        <p:txBody>
+          <a:bodyPr/>
+          <a:lstStyle/>
+          <a:p>
+            <a:pPr algn="ctr"/>
+            <a:r>
+              <a:rPr lang="ru-RU"/>
+              <a:t>Заключение</a:t>
+            </a:r>
+          </a:p>
+        </p:txBody>
+      </p:sp>
+      <p:graphicFrame>
+        <p:nvGraphicFramePr>
+          <p:cNvPr id="4" name="Схема 4">
+            <a:extLst>
+              <a:ext uri="{FF2B5EF4-FFF2-40B4-BE49-F238E27FC236}">
+                <a16:creationId xmlns:a16="http://schemas.microsoft.com/office/drawing/2014/main" id="{8C585C79-E3B0-496A-AD0E-9DC32B448BC7}"/>
+              </a:ext>
+            </a:extLst>
+          </p:cNvPr>
+          <p:cNvGraphicFramePr/>
+          <p:nvPr/>
+        </p:nvGraphicFramePr>
+        <p:xfrm>
+          <a:off x="941947" y="1201271"/>
+          <a:ext cx="10309176" cy="4831975"/>
+        </p:xfrm>
+        <a:graphic>
+          <a:graphicData uri="http://schemas.openxmlformats.org/drawingml/2006/diagram">
+            <dgm:relIds xmlns:dgm="http://schemas.openxmlformats.org/drawingml/2006/diagram" xmlns:r="http://schemas.openxmlformats.org/officeDocument/2006/relationships" r:dm="rId2" r:lo="rId3" r:qs="rId4" r:cs="rId5"/>
+          </a:graphicData>
+        </a:graphic>
+      </p:graphicFrame>
+    </p:spTree>
+    <p:extLst>
+      <p:ext uri="{BB962C8B-B14F-4D97-AF65-F5344CB8AC3E}">
+        <p14:creationId xmlns:p14="http://schemas.microsoft.com/office/powerpoint/2010/main" val="3145397139"/>
       </p:ext>
     </p:extLst>
   </p:cSld>
